--- a/PPT/02.자바스크립트 - 함수.pptx
+++ b/PPT/02.자바스크립트 - 함수.pptx
@@ -2783,6 +2783,118 @@
           <pc:docMk/>
           <pc:sldMk cId="3136811878" sldId="316"/>
         </pc:sldMkLst>
+      </pc:sldChg>
+    </pc:docChg>
+  </pc:docChgLst>
+  <pc:docChgLst>
+    <pc:chgData name="jeongkilyong" userId="42a1e730-e7ec-4950-9a60-48236c77d83b" providerId="ADAL" clId="{1D74A321-71E9-470C-990A-0AF5633ED9A4}"/>
+    <pc:docChg chg="undo custSel modSld">
+      <pc:chgData name="jeongkilyong" userId="42a1e730-e7ec-4950-9a60-48236c77d83b" providerId="ADAL" clId="{1D74A321-71E9-470C-990A-0AF5633ED9A4}" dt="2023-10-25T05:58:34.445" v="129" actId="1076"/>
+      <pc:docMkLst>
+        <pc:docMk/>
+      </pc:docMkLst>
+      <pc:sldChg chg="addSp modSp mod">
+        <pc:chgData name="jeongkilyong" userId="42a1e730-e7ec-4950-9a60-48236c77d83b" providerId="ADAL" clId="{1D74A321-71E9-470C-990A-0AF5633ED9A4}" dt="2023-10-25T05:58:34.445" v="129" actId="1076"/>
+        <pc:sldMkLst>
+          <pc:docMk/>
+          <pc:sldMk cId="706516692" sldId="297"/>
+        </pc:sldMkLst>
+        <pc:spChg chg="mod">
+          <ac:chgData name="jeongkilyong" userId="42a1e730-e7ec-4950-9a60-48236c77d83b" providerId="ADAL" clId="{1D74A321-71E9-470C-990A-0AF5633ED9A4}" dt="2023-10-25T05:50:45.885" v="31" actId="14100"/>
+          <ac:spMkLst>
+            <pc:docMk/>
+            <pc:sldMk cId="706516692" sldId="297"/>
+            <ac:spMk id="6" creationId="{91C63D14-5017-4D63-92B4-8C8228768D2C}"/>
+          </ac:spMkLst>
+        </pc:spChg>
+        <pc:spChg chg="mod">
+          <ac:chgData name="jeongkilyong" userId="42a1e730-e7ec-4950-9a60-48236c77d83b" providerId="ADAL" clId="{1D74A321-71E9-470C-990A-0AF5633ED9A4}" dt="2023-10-25T05:50:55.031" v="35" actId="14100"/>
+          <ac:spMkLst>
+            <pc:docMk/>
+            <pc:sldMk cId="706516692" sldId="297"/>
+            <ac:spMk id="7" creationId="{E3EF7A73-8470-42DE-B819-5C6E847576DA}"/>
+          </ac:spMkLst>
+        </pc:spChg>
+        <pc:spChg chg="add mod">
+          <ac:chgData name="jeongkilyong" userId="42a1e730-e7ec-4950-9a60-48236c77d83b" providerId="ADAL" clId="{1D74A321-71E9-470C-990A-0AF5633ED9A4}" dt="2023-10-25T05:57:52.019" v="73" actId="1076"/>
+          <ac:spMkLst>
+            <pc:docMk/>
+            <pc:sldMk cId="706516692" sldId="297"/>
+            <ac:spMk id="10" creationId="{5C140F8A-34D5-44BB-A73C-3CFC34CBB785}"/>
+          </ac:spMkLst>
+        </pc:spChg>
+        <pc:spChg chg="add mod">
+          <ac:chgData name="jeongkilyong" userId="42a1e730-e7ec-4950-9a60-48236c77d83b" providerId="ADAL" clId="{1D74A321-71E9-470C-990A-0AF5633ED9A4}" dt="2023-10-25T05:57:52.019" v="73" actId="1076"/>
+          <ac:spMkLst>
+            <pc:docMk/>
+            <pc:sldMk cId="706516692" sldId="297"/>
+            <ac:spMk id="11" creationId="{ACC1F2DB-F4F7-43DD-BC81-2D5288BE1863}"/>
+          </ac:spMkLst>
+        </pc:spChg>
+        <pc:spChg chg="add mod">
+          <ac:chgData name="jeongkilyong" userId="42a1e730-e7ec-4950-9a60-48236c77d83b" providerId="ADAL" clId="{1D74A321-71E9-470C-990A-0AF5633ED9A4}" dt="2023-10-25T05:58:18.164" v="112" actId="1076"/>
+          <ac:spMkLst>
+            <pc:docMk/>
+            <pc:sldMk cId="706516692" sldId="297"/>
+            <ac:spMk id="22" creationId="{7916C997-78D5-4561-8DBB-09B2928C8955}"/>
+          </ac:spMkLst>
+        </pc:spChg>
+        <pc:spChg chg="add mod">
+          <ac:chgData name="jeongkilyong" userId="42a1e730-e7ec-4950-9a60-48236c77d83b" providerId="ADAL" clId="{1D74A321-71E9-470C-990A-0AF5633ED9A4}" dt="2023-10-25T05:58:24.554" v="127" actId="20577"/>
+          <ac:spMkLst>
+            <pc:docMk/>
+            <pc:sldMk cId="706516692" sldId="297"/>
+            <ac:spMk id="23" creationId="{A9939F84-6ABF-4D36-BD88-5FE80816B37A}"/>
+          </ac:spMkLst>
+        </pc:spChg>
+        <pc:spChg chg="add mod">
+          <ac:chgData name="jeongkilyong" userId="42a1e730-e7ec-4950-9a60-48236c77d83b" providerId="ADAL" clId="{1D74A321-71E9-470C-990A-0AF5633ED9A4}" dt="2023-10-25T05:58:28.401" v="128" actId="571"/>
+          <ac:spMkLst>
+            <pc:docMk/>
+            <pc:sldMk cId="706516692" sldId="297"/>
+            <ac:spMk id="24" creationId="{62AE7DB2-5ACB-4197-9F05-1CC5B44A78CC}"/>
+          </ac:spMkLst>
+        </pc:spChg>
+        <pc:spChg chg="add mod">
+          <ac:chgData name="jeongkilyong" userId="42a1e730-e7ec-4950-9a60-48236c77d83b" providerId="ADAL" clId="{1D74A321-71E9-470C-990A-0AF5633ED9A4}" dt="2023-10-25T05:58:34.445" v="129" actId="1076"/>
+          <ac:spMkLst>
+            <pc:docMk/>
+            <pc:sldMk cId="706516692" sldId="297"/>
+            <ac:spMk id="25" creationId="{914ED73D-36B0-40D3-9418-FA3B121C758A}"/>
+          </ac:spMkLst>
+        </pc:spChg>
+        <pc:cxnChg chg="add mod">
+          <ac:chgData name="jeongkilyong" userId="42a1e730-e7ec-4950-9a60-48236c77d83b" providerId="ADAL" clId="{1D74A321-71E9-470C-990A-0AF5633ED9A4}" dt="2023-10-25T05:57:52.019" v="73" actId="1076"/>
+          <ac:cxnSpMkLst>
+            <pc:docMk/>
+            <pc:sldMk cId="706516692" sldId="297"/>
+            <ac:cxnSpMk id="13" creationId="{B22E90BB-FBF1-41C6-A461-897614410B0A}"/>
+          </ac:cxnSpMkLst>
+        </pc:cxnChg>
+        <pc:cxnChg chg="add mod">
+          <ac:chgData name="jeongkilyong" userId="42a1e730-e7ec-4950-9a60-48236c77d83b" providerId="ADAL" clId="{1D74A321-71E9-470C-990A-0AF5633ED9A4}" dt="2023-10-25T05:57:52.019" v="73" actId="1076"/>
+          <ac:cxnSpMkLst>
+            <pc:docMk/>
+            <pc:sldMk cId="706516692" sldId="297"/>
+            <ac:cxnSpMk id="14" creationId="{91D19ECE-FDC0-44BD-A824-B5D4B3619C1C}"/>
+          </ac:cxnSpMkLst>
+        </pc:cxnChg>
+        <pc:cxnChg chg="add mod">
+          <ac:chgData name="jeongkilyong" userId="42a1e730-e7ec-4950-9a60-48236c77d83b" providerId="ADAL" clId="{1D74A321-71E9-470C-990A-0AF5633ED9A4}" dt="2023-10-25T05:57:52.019" v="73" actId="1076"/>
+          <ac:cxnSpMkLst>
+            <pc:docMk/>
+            <pc:sldMk cId="706516692" sldId="297"/>
+            <ac:cxnSpMk id="16" creationId="{D6D43ADD-CD33-46D5-BAC3-42FC427FD228}"/>
+          </ac:cxnSpMkLst>
+        </pc:cxnChg>
+        <pc:cxnChg chg="add mod">
+          <ac:chgData name="jeongkilyong" userId="42a1e730-e7ec-4950-9a60-48236c77d83b" providerId="ADAL" clId="{1D74A321-71E9-470C-990A-0AF5633ED9A4}" dt="2023-10-25T05:57:52.019" v="73" actId="1076"/>
+          <ac:cxnSpMkLst>
+            <pc:docMk/>
+            <pc:sldMk cId="706516692" sldId="297"/>
+            <ac:cxnSpMk id="18" creationId="{5C5B331D-9A08-4783-B9C9-20A521DA5DDA}"/>
+          </ac:cxnSpMkLst>
+        </pc:cxnChg>
       </pc:sldChg>
     </pc:docChg>
   </pc:docChgLst>
@@ -22016,7 +22128,7 @@
         <p:spPr>
           <a:xfrm>
             <a:off x="827584" y="3756640"/>
-            <a:ext cx="7488832" cy="1477328"/>
+            <a:ext cx="4211141" cy="1754326"/>
           </a:xfrm>
           <a:prstGeom prst="rect">
             <a:avLst/>
@@ -22037,6 +22149,19 @@
             <a:r>
               <a:rPr lang="en-US" altLang="ko-KR" b="0">
                 <a:solidFill>
+                  <a:srgbClr val="008000"/>
+                </a:solidFill>
+                <a:effectLst/>
+                <a:latin typeface="Consolas" panose="020B0609020204030204" pitchFamily="49" charset="0"/>
+                <a:ea typeface="Noto Sans CJK KR Regular" panose="020B0500000000000000" pitchFamily="34" charset="-127"/>
+              </a:rPr>
+              <a:t>// Error: add is not a function </a:t>
+            </a:r>
+          </a:p>
+          <a:p>
+            <a:r>
+              <a:rPr lang="en-US" altLang="ko-KR" b="0">
+                <a:solidFill>
                   <a:srgbClr val="000000"/>
                 </a:solidFill>
                 <a:effectLst/>
@@ -22087,27 +22212,8 @@
                 <a:latin typeface="Consolas" panose="020B0609020204030204" pitchFamily="49" charset="0"/>
                 <a:ea typeface="Noto Sans CJK KR Regular" panose="020B0500000000000000" pitchFamily="34" charset="-127"/>
               </a:rPr>
-              <a:t>)); </a:t>
-            </a:r>
-            <a:r>
-              <a:rPr lang="en-US" altLang="ko-KR" b="0">
-                <a:solidFill>
-                  <a:srgbClr val="008000"/>
-                </a:solidFill>
-                <a:effectLst/>
-                <a:latin typeface="Consolas" panose="020B0609020204030204" pitchFamily="49" charset="0"/>
-                <a:ea typeface="Noto Sans CJK KR Regular" panose="020B0500000000000000" pitchFamily="34" charset="-127"/>
-              </a:rPr>
-              <a:t>// Error: add is not a function</a:t>
-            </a:r>
-            <a:endParaRPr lang="en-US" altLang="ko-KR" b="0">
-              <a:solidFill>
-                <a:srgbClr val="000000"/>
-              </a:solidFill>
-              <a:effectLst/>
-              <a:latin typeface="Consolas" panose="020B0609020204030204" pitchFamily="49" charset="0"/>
-              <a:ea typeface="Noto Sans CJK KR Regular" panose="020B0500000000000000" pitchFamily="34" charset="-127"/>
-            </a:endParaRPr>
+              <a:t>));</a:t>
+            </a:r>
           </a:p>
           <a:p>
             <a:r>
@@ -22296,7 +22402,7 @@
         <p:spPr>
           <a:xfrm>
             <a:off x="827584" y="1934637"/>
-            <a:ext cx="7488832" cy="1477328"/>
+            <a:ext cx="4211141" cy="1477328"/>
           </a:xfrm>
           <a:prstGeom prst="rect">
             <a:avLst/>
@@ -22621,6 +22727,887 @@
               <a:latin typeface="Noto Sans CJK KR Regular" panose="020B0500000000000000" pitchFamily="34" charset="-127"/>
               <a:ea typeface="Noto Sans CJK KR Regular" panose="020B0500000000000000" pitchFamily="34" charset="-127"/>
             </a:endParaRPr>
+          </a:p>
+        </p:txBody>
+      </p:sp>
+      <p:sp>
+        <p:nvSpPr>
+          <p:cNvPr id="10" name="TextBox 9">
+            <a:extLst>
+              <a:ext uri="{FF2B5EF4-FFF2-40B4-BE49-F238E27FC236}">
+                <a16:creationId xmlns:a16="http://schemas.microsoft.com/office/drawing/2014/main" id="{5C140F8A-34D5-44BB-A73C-3CFC34CBB785}"/>
+              </a:ext>
+            </a:extLst>
+          </p:cNvPr>
+          <p:cNvSpPr txBox="1"/>
+          <p:nvPr/>
+        </p:nvSpPr>
+        <p:spPr>
+          <a:xfrm>
+            <a:off x="6841439" y="1934637"/>
+            <a:ext cx="4220666" cy="1477328"/>
+          </a:xfrm>
+          <a:prstGeom prst="rect">
+            <a:avLst/>
+          </a:prstGeom>
+          <a:noFill/>
+          <a:ln>
+            <a:solidFill>
+              <a:schemeClr val="tx1"/>
+            </a:solidFill>
+          </a:ln>
+        </p:spPr>
+        <p:txBody>
+          <a:bodyPr wrap="square">
+            <a:spAutoFit/>
+          </a:bodyPr>
+          <a:lstStyle/>
+          <a:p>
+            <a:r>
+              <a:rPr lang="en-US" altLang="ko-KR" b="0">
+                <a:solidFill>
+                  <a:srgbClr val="0000FF"/>
+                </a:solidFill>
+                <a:effectLst/>
+                <a:latin typeface="Consolas" panose="020B0609020204030204" pitchFamily="49" charset="0"/>
+                <a:ea typeface="Noto Sans CJK KR Regular" panose="020B0500000000000000" pitchFamily="34" charset="-127"/>
+              </a:rPr>
+              <a:t>function</a:t>
+            </a:r>
+            <a:r>
+              <a:rPr lang="en-US" altLang="ko-KR" b="0">
+                <a:solidFill>
+                  <a:srgbClr val="000000"/>
+                </a:solidFill>
+                <a:effectLst/>
+                <a:latin typeface="Consolas" panose="020B0609020204030204" pitchFamily="49" charset="0"/>
+                <a:ea typeface="Noto Sans CJK KR Regular" panose="020B0500000000000000" pitchFamily="34" charset="-127"/>
+              </a:rPr>
+              <a:t> add(x, y) {</a:t>
+            </a:r>
+          </a:p>
+          <a:p>
+            <a:r>
+              <a:rPr lang="en-US" altLang="ko-KR" b="0">
+                <a:solidFill>
+                  <a:srgbClr val="000000"/>
+                </a:solidFill>
+                <a:effectLst/>
+                <a:latin typeface="Consolas" panose="020B0609020204030204" pitchFamily="49" charset="0"/>
+                <a:ea typeface="Noto Sans CJK KR Regular" panose="020B0500000000000000" pitchFamily="34" charset="-127"/>
+              </a:rPr>
+              <a:t>  </a:t>
+            </a:r>
+            <a:r>
+              <a:rPr lang="en-US" altLang="ko-KR" b="0">
+                <a:solidFill>
+                  <a:srgbClr val="0000FF"/>
+                </a:solidFill>
+                <a:effectLst/>
+                <a:latin typeface="Consolas" panose="020B0609020204030204" pitchFamily="49" charset="0"/>
+                <a:ea typeface="Noto Sans CJK KR Regular" panose="020B0500000000000000" pitchFamily="34" charset="-127"/>
+              </a:rPr>
+              <a:t>return</a:t>
+            </a:r>
+            <a:r>
+              <a:rPr lang="en-US" altLang="ko-KR" b="0">
+                <a:solidFill>
+                  <a:srgbClr val="000000"/>
+                </a:solidFill>
+                <a:effectLst/>
+                <a:latin typeface="Consolas" panose="020B0609020204030204" pitchFamily="49" charset="0"/>
+                <a:ea typeface="Noto Sans CJK KR Regular" panose="020B0500000000000000" pitchFamily="34" charset="-127"/>
+              </a:rPr>
+              <a:t> x + y;</a:t>
+            </a:r>
+          </a:p>
+          <a:p>
+            <a:r>
+              <a:rPr lang="en-US" altLang="ko-KR" b="0">
+                <a:solidFill>
+                  <a:srgbClr val="000000"/>
+                </a:solidFill>
+                <a:effectLst/>
+                <a:latin typeface="Consolas" panose="020B0609020204030204" pitchFamily="49" charset="0"/>
+                <a:ea typeface="Noto Sans CJK KR Regular" panose="020B0500000000000000" pitchFamily="34" charset="-127"/>
+              </a:rPr>
+              <a:t>}</a:t>
+            </a:r>
+          </a:p>
+          <a:p>
+            <a:r>
+              <a:rPr lang="en-US" altLang="ko-KR" b="0">
+                <a:solidFill>
+                  <a:srgbClr val="000000"/>
+                </a:solidFill>
+                <a:effectLst/>
+                <a:latin typeface="Consolas" panose="020B0609020204030204" pitchFamily="49" charset="0"/>
+                <a:ea typeface="Noto Sans CJK KR Regular" panose="020B0500000000000000" pitchFamily="34" charset="-127"/>
+              </a:rPr>
+              <a:t>console.log(add(</a:t>
+            </a:r>
+            <a:r>
+              <a:rPr lang="en-US" altLang="ko-KR" b="0">
+                <a:solidFill>
+                  <a:srgbClr val="098658"/>
+                </a:solidFill>
+                <a:effectLst/>
+                <a:latin typeface="Consolas" panose="020B0609020204030204" pitchFamily="49" charset="0"/>
+                <a:ea typeface="Noto Sans CJK KR Regular" panose="020B0500000000000000" pitchFamily="34" charset="-127"/>
+              </a:rPr>
+              <a:t>2</a:t>
+            </a:r>
+            <a:r>
+              <a:rPr lang="en-US" altLang="ko-KR" b="0">
+                <a:solidFill>
+                  <a:srgbClr val="000000"/>
+                </a:solidFill>
+                <a:effectLst/>
+                <a:latin typeface="Consolas" panose="020B0609020204030204" pitchFamily="49" charset="0"/>
+                <a:ea typeface="Noto Sans CJK KR Regular" panose="020B0500000000000000" pitchFamily="34" charset="-127"/>
+              </a:rPr>
+              <a:t>, </a:t>
+            </a:r>
+            <a:r>
+              <a:rPr lang="en-US" altLang="ko-KR" b="0">
+                <a:solidFill>
+                  <a:srgbClr val="098658"/>
+                </a:solidFill>
+                <a:effectLst/>
+                <a:latin typeface="Consolas" panose="020B0609020204030204" pitchFamily="49" charset="0"/>
+                <a:ea typeface="Noto Sans CJK KR Regular" panose="020B0500000000000000" pitchFamily="34" charset="-127"/>
+              </a:rPr>
+              <a:t>3</a:t>
+            </a:r>
+            <a:r>
+              <a:rPr lang="en-US" altLang="ko-KR" b="0">
+                <a:solidFill>
+                  <a:srgbClr val="000000"/>
+                </a:solidFill>
+                <a:effectLst/>
+                <a:latin typeface="Consolas" panose="020B0609020204030204" pitchFamily="49" charset="0"/>
+                <a:ea typeface="Noto Sans CJK KR Regular" panose="020B0500000000000000" pitchFamily="34" charset="-127"/>
+              </a:rPr>
+              <a:t>)); </a:t>
+            </a:r>
+            <a:r>
+              <a:rPr lang="en-US" altLang="ko-KR" b="0">
+                <a:solidFill>
+                  <a:srgbClr val="008000"/>
+                </a:solidFill>
+                <a:effectLst/>
+                <a:latin typeface="Consolas" panose="020B0609020204030204" pitchFamily="49" charset="0"/>
+                <a:ea typeface="Noto Sans CJK KR Regular" panose="020B0500000000000000" pitchFamily="34" charset="-127"/>
+              </a:rPr>
+              <a:t>// 5</a:t>
+            </a:r>
+            <a:endParaRPr lang="en-US" altLang="ko-KR" b="0">
+              <a:solidFill>
+                <a:srgbClr val="000000"/>
+              </a:solidFill>
+              <a:effectLst/>
+              <a:latin typeface="Consolas" panose="020B0609020204030204" pitchFamily="49" charset="0"/>
+              <a:ea typeface="Noto Sans CJK KR Regular" panose="020B0500000000000000" pitchFamily="34" charset="-127"/>
+            </a:endParaRPr>
+          </a:p>
+          <a:p>
+            <a:r>
+              <a:rPr lang="en-US" altLang="ko-KR" b="0">
+                <a:solidFill>
+                  <a:srgbClr val="000000"/>
+                </a:solidFill>
+                <a:effectLst/>
+                <a:latin typeface="Consolas" panose="020B0609020204030204" pitchFamily="49" charset="0"/>
+                <a:ea typeface="Noto Sans CJK KR Regular" panose="020B0500000000000000" pitchFamily="34" charset="-127"/>
+              </a:rPr>
+              <a:t>console.log(add(</a:t>
+            </a:r>
+            <a:r>
+              <a:rPr lang="en-US" altLang="ko-KR" b="0">
+                <a:solidFill>
+                  <a:srgbClr val="098658"/>
+                </a:solidFill>
+                <a:effectLst/>
+                <a:latin typeface="Consolas" panose="020B0609020204030204" pitchFamily="49" charset="0"/>
+                <a:ea typeface="Noto Sans CJK KR Regular" panose="020B0500000000000000" pitchFamily="34" charset="-127"/>
+              </a:rPr>
+              <a:t>3</a:t>
+            </a:r>
+            <a:r>
+              <a:rPr lang="en-US" altLang="ko-KR" b="0">
+                <a:solidFill>
+                  <a:srgbClr val="000000"/>
+                </a:solidFill>
+                <a:effectLst/>
+                <a:latin typeface="Consolas" panose="020B0609020204030204" pitchFamily="49" charset="0"/>
+                <a:ea typeface="Noto Sans CJK KR Regular" panose="020B0500000000000000" pitchFamily="34" charset="-127"/>
+              </a:rPr>
+              <a:t>, </a:t>
+            </a:r>
+            <a:r>
+              <a:rPr lang="en-US" altLang="ko-KR" b="0">
+                <a:solidFill>
+                  <a:srgbClr val="098658"/>
+                </a:solidFill>
+                <a:effectLst/>
+                <a:latin typeface="Consolas" panose="020B0609020204030204" pitchFamily="49" charset="0"/>
+                <a:ea typeface="Noto Sans CJK KR Regular" panose="020B0500000000000000" pitchFamily="34" charset="-127"/>
+              </a:rPr>
+              <a:t>4</a:t>
+            </a:r>
+            <a:r>
+              <a:rPr lang="en-US" altLang="ko-KR" b="0">
+                <a:solidFill>
+                  <a:srgbClr val="000000"/>
+                </a:solidFill>
+                <a:effectLst/>
+                <a:latin typeface="Consolas" panose="020B0609020204030204" pitchFamily="49" charset="0"/>
+                <a:ea typeface="Noto Sans CJK KR Regular" panose="020B0500000000000000" pitchFamily="34" charset="-127"/>
+              </a:rPr>
+              <a:t>)); </a:t>
+            </a:r>
+            <a:r>
+              <a:rPr lang="en-US" altLang="ko-KR" b="0">
+                <a:solidFill>
+                  <a:srgbClr val="008000"/>
+                </a:solidFill>
+                <a:effectLst/>
+                <a:latin typeface="Consolas" panose="020B0609020204030204" pitchFamily="49" charset="0"/>
+                <a:ea typeface="Noto Sans CJK KR Regular" panose="020B0500000000000000" pitchFamily="34" charset="-127"/>
+              </a:rPr>
+              <a:t>// 7</a:t>
+            </a:r>
+            <a:endParaRPr lang="en-US" altLang="ko-KR" b="0">
+              <a:solidFill>
+                <a:srgbClr val="000000"/>
+              </a:solidFill>
+              <a:effectLst/>
+              <a:latin typeface="Consolas" panose="020B0609020204030204" pitchFamily="49" charset="0"/>
+              <a:ea typeface="Noto Sans CJK KR Regular" panose="020B0500000000000000" pitchFamily="34" charset="-127"/>
+            </a:endParaRPr>
+          </a:p>
+        </p:txBody>
+      </p:sp>
+      <p:sp>
+        <p:nvSpPr>
+          <p:cNvPr id="11" name="TextBox 10">
+            <a:extLst>
+              <a:ext uri="{FF2B5EF4-FFF2-40B4-BE49-F238E27FC236}">
+                <a16:creationId xmlns:a16="http://schemas.microsoft.com/office/drawing/2014/main" id="{ACC1F2DB-F4F7-43DD-BC81-2D5288BE1863}"/>
+              </a:ext>
+            </a:extLst>
+          </p:cNvPr>
+          <p:cNvSpPr txBox="1"/>
+          <p:nvPr/>
+        </p:nvSpPr>
+        <p:spPr>
+          <a:xfrm>
+            <a:off x="6841439" y="3756640"/>
+            <a:ext cx="4211141" cy="2031325"/>
+          </a:xfrm>
+          <a:prstGeom prst="rect">
+            <a:avLst/>
+          </a:prstGeom>
+          <a:noFill/>
+          <a:ln>
+            <a:solidFill>
+              <a:schemeClr val="tx1"/>
+            </a:solidFill>
+          </a:ln>
+        </p:spPr>
+        <p:txBody>
+          <a:bodyPr wrap="square">
+            <a:spAutoFit/>
+          </a:bodyPr>
+          <a:lstStyle/>
+          <a:p>
+            <a:r>
+              <a:rPr lang="en-US" altLang="ko-KR" b="0">
+                <a:solidFill>
+                  <a:srgbClr val="0000FF"/>
+                </a:solidFill>
+                <a:effectLst/>
+                <a:latin typeface="Consolas" panose="020B0609020204030204" pitchFamily="49" charset="0"/>
+                <a:ea typeface="Noto Sans CJK KR Regular" panose="020B0500000000000000" pitchFamily="34" charset="-127"/>
+              </a:rPr>
+              <a:t>var</a:t>
+            </a:r>
+            <a:r>
+              <a:rPr lang="en-US" altLang="ko-KR" b="0">
+                <a:solidFill>
+                  <a:srgbClr val="000000"/>
+                </a:solidFill>
+                <a:effectLst/>
+                <a:latin typeface="Consolas" panose="020B0609020204030204" pitchFamily="49" charset="0"/>
+                <a:ea typeface="Noto Sans CJK KR Regular" panose="020B0500000000000000" pitchFamily="34" charset="-127"/>
+              </a:rPr>
+              <a:t> add;</a:t>
+            </a:r>
+          </a:p>
+          <a:p>
+            <a:r>
+              <a:rPr lang="en-US" altLang="ko-KR" b="0">
+                <a:solidFill>
+                  <a:srgbClr val="008000"/>
+                </a:solidFill>
+                <a:effectLst/>
+                <a:latin typeface="Consolas" panose="020B0609020204030204" pitchFamily="49" charset="0"/>
+                <a:ea typeface="Noto Sans CJK KR Regular" panose="020B0500000000000000" pitchFamily="34" charset="-127"/>
+              </a:rPr>
+              <a:t>// Error: add is not a function </a:t>
+            </a:r>
+          </a:p>
+          <a:p>
+            <a:r>
+              <a:rPr lang="en-US" altLang="ko-KR" b="0">
+                <a:solidFill>
+                  <a:srgbClr val="000000"/>
+                </a:solidFill>
+                <a:effectLst/>
+                <a:latin typeface="Consolas" panose="020B0609020204030204" pitchFamily="49" charset="0"/>
+                <a:ea typeface="Noto Sans CJK KR Regular" panose="020B0500000000000000" pitchFamily="34" charset="-127"/>
+              </a:rPr>
+              <a:t>console.log(add(</a:t>
+            </a:r>
+            <a:r>
+              <a:rPr lang="en-US" altLang="ko-KR" b="0">
+                <a:solidFill>
+                  <a:srgbClr val="098658"/>
+                </a:solidFill>
+                <a:effectLst/>
+                <a:latin typeface="Consolas" panose="020B0609020204030204" pitchFamily="49" charset="0"/>
+                <a:ea typeface="Noto Sans CJK KR Regular" panose="020B0500000000000000" pitchFamily="34" charset="-127"/>
+              </a:rPr>
+              <a:t>2</a:t>
+            </a:r>
+            <a:r>
+              <a:rPr lang="en-US" altLang="ko-KR" b="0">
+                <a:solidFill>
+                  <a:srgbClr val="000000"/>
+                </a:solidFill>
+                <a:effectLst/>
+                <a:latin typeface="Consolas" panose="020B0609020204030204" pitchFamily="49" charset="0"/>
+                <a:ea typeface="Noto Sans CJK KR Regular" panose="020B0500000000000000" pitchFamily="34" charset="-127"/>
+              </a:rPr>
+              <a:t>, </a:t>
+            </a:r>
+            <a:r>
+              <a:rPr lang="en-US" altLang="ko-KR" b="0">
+                <a:solidFill>
+                  <a:srgbClr val="098658"/>
+                </a:solidFill>
+                <a:effectLst/>
+                <a:latin typeface="Consolas" panose="020B0609020204030204" pitchFamily="49" charset="0"/>
+                <a:ea typeface="Noto Sans CJK KR Regular" panose="020B0500000000000000" pitchFamily="34" charset="-127"/>
+              </a:rPr>
+              <a:t>3</a:t>
+            </a:r>
+            <a:r>
+              <a:rPr lang="en-US" altLang="ko-KR" b="0">
+                <a:solidFill>
+                  <a:srgbClr val="000000"/>
+                </a:solidFill>
+                <a:effectLst/>
+                <a:latin typeface="Consolas" panose="020B0609020204030204" pitchFamily="49" charset="0"/>
+                <a:ea typeface="Noto Sans CJK KR Regular" panose="020B0500000000000000" pitchFamily="34" charset="-127"/>
+              </a:rPr>
+              <a:t>));</a:t>
+            </a:r>
+          </a:p>
+          <a:p>
+            <a:r>
+              <a:rPr lang="en-US" altLang="ko-KR" b="0">
+                <a:solidFill>
+                  <a:srgbClr val="000000"/>
+                </a:solidFill>
+                <a:effectLst/>
+                <a:latin typeface="Consolas" panose="020B0609020204030204" pitchFamily="49" charset="0"/>
+                <a:ea typeface="Noto Sans CJK KR Regular" panose="020B0500000000000000" pitchFamily="34" charset="-127"/>
+              </a:rPr>
+              <a:t>add = </a:t>
+            </a:r>
+            <a:r>
+              <a:rPr lang="en-US" altLang="ko-KR" b="0">
+                <a:solidFill>
+                  <a:srgbClr val="0000FF"/>
+                </a:solidFill>
+                <a:effectLst/>
+                <a:latin typeface="Consolas" panose="020B0609020204030204" pitchFamily="49" charset="0"/>
+                <a:ea typeface="Noto Sans CJK KR Regular" panose="020B0500000000000000" pitchFamily="34" charset="-127"/>
+              </a:rPr>
+              <a:t>function</a:t>
+            </a:r>
+            <a:r>
+              <a:rPr lang="en-US" altLang="ko-KR" b="0">
+                <a:solidFill>
+                  <a:srgbClr val="000000"/>
+                </a:solidFill>
+                <a:effectLst/>
+                <a:latin typeface="Consolas" panose="020B0609020204030204" pitchFamily="49" charset="0"/>
+                <a:ea typeface="Noto Sans CJK KR Regular" panose="020B0500000000000000" pitchFamily="34" charset="-127"/>
+              </a:rPr>
+              <a:t>(x, y) {</a:t>
+            </a:r>
+          </a:p>
+          <a:p>
+            <a:r>
+              <a:rPr lang="en-US" altLang="ko-KR" b="0">
+                <a:solidFill>
+                  <a:srgbClr val="000000"/>
+                </a:solidFill>
+                <a:effectLst/>
+                <a:latin typeface="Consolas" panose="020B0609020204030204" pitchFamily="49" charset="0"/>
+                <a:ea typeface="Noto Sans CJK KR Regular" panose="020B0500000000000000" pitchFamily="34" charset="-127"/>
+              </a:rPr>
+              <a:t>  </a:t>
+            </a:r>
+            <a:r>
+              <a:rPr lang="en-US" altLang="ko-KR" b="0">
+                <a:solidFill>
+                  <a:srgbClr val="0000FF"/>
+                </a:solidFill>
+                <a:effectLst/>
+                <a:latin typeface="Consolas" panose="020B0609020204030204" pitchFamily="49" charset="0"/>
+                <a:ea typeface="Noto Sans CJK KR Regular" panose="020B0500000000000000" pitchFamily="34" charset="-127"/>
+              </a:rPr>
+              <a:t>return</a:t>
+            </a:r>
+            <a:r>
+              <a:rPr lang="en-US" altLang="ko-KR" b="0">
+                <a:solidFill>
+                  <a:srgbClr val="000000"/>
+                </a:solidFill>
+                <a:effectLst/>
+                <a:latin typeface="Consolas" panose="020B0609020204030204" pitchFamily="49" charset="0"/>
+                <a:ea typeface="Noto Sans CJK KR Regular" panose="020B0500000000000000" pitchFamily="34" charset="-127"/>
+              </a:rPr>
+              <a:t> x + y;</a:t>
+            </a:r>
+          </a:p>
+          <a:p>
+            <a:r>
+              <a:rPr lang="en-US" altLang="ko-KR" b="0">
+                <a:solidFill>
+                  <a:srgbClr val="000000"/>
+                </a:solidFill>
+                <a:effectLst/>
+                <a:latin typeface="Consolas" panose="020B0609020204030204" pitchFamily="49" charset="0"/>
+                <a:ea typeface="Noto Sans CJK KR Regular" panose="020B0500000000000000" pitchFamily="34" charset="-127"/>
+              </a:rPr>
+              <a:t>}</a:t>
+            </a:r>
+          </a:p>
+          <a:p>
+            <a:r>
+              <a:rPr lang="en-US" altLang="ko-KR" b="0">
+                <a:solidFill>
+                  <a:srgbClr val="000000"/>
+                </a:solidFill>
+                <a:effectLst/>
+                <a:latin typeface="Consolas" panose="020B0609020204030204" pitchFamily="49" charset="0"/>
+                <a:ea typeface="Noto Sans CJK KR Regular" panose="020B0500000000000000" pitchFamily="34" charset="-127"/>
+              </a:rPr>
+              <a:t>console.log(add(</a:t>
+            </a:r>
+            <a:r>
+              <a:rPr lang="en-US" altLang="ko-KR" b="0">
+                <a:solidFill>
+                  <a:srgbClr val="098658"/>
+                </a:solidFill>
+                <a:effectLst/>
+                <a:latin typeface="Consolas" panose="020B0609020204030204" pitchFamily="49" charset="0"/>
+                <a:ea typeface="Noto Sans CJK KR Regular" panose="020B0500000000000000" pitchFamily="34" charset="-127"/>
+              </a:rPr>
+              <a:t>3</a:t>
+            </a:r>
+            <a:r>
+              <a:rPr lang="en-US" altLang="ko-KR" b="0">
+                <a:solidFill>
+                  <a:srgbClr val="000000"/>
+                </a:solidFill>
+                <a:effectLst/>
+                <a:latin typeface="Consolas" panose="020B0609020204030204" pitchFamily="49" charset="0"/>
+                <a:ea typeface="Noto Sans CJK KR Regular" panose="020B0500000000000000" pitchFamily="34" charset="-127"/>
+              </a:rPr>
+              <a:t>, </a:t>
+            </a:r>
+            <a:r>
+              <a:rPr lang="en-US" altLang="ko-KR" b="0">
+                <a:solidFill>
+                  <a:srgbClr val="098658"/>
+                </a:solidFill>
+                <a:effectLst/>
+                <a:latin typeface="Consolas" panose="020B0609020204030204" pitchFamily="49" charset="0"/>
+                <a:ea typeface="Noto Sans CJK KR Regular" panose="020B0500000000000000" pitchFamily="34" charset="-127"/>
+              </a:rPr>
+              <a:t>4</a:t>
+            </a:r>
+            <a:r>
+              <a:rPr lang="en-US" altLang="ko-KR" b="0">
+                <a:solidFill>
+                  <a:srgbClr val="000000"/>
+                </a:solidFill>
+                <a:effectLst/>
+                <a:latin typeface="Consolas" panose="020B0609020204030204" pitchFamily="49" charset="0"/>
+                <a:ea typeface="Noto Sans CJK KR Regular" panose="020B0500000000000000" pitchFamily="34" charset="-127"/>
+              </a:rPr>
+              <a:t>)); </a:t>
+            </a:r>
+            <a:r>
+              <a:rPr lang="en-US" altLang="ko-KR" b="0">
+                <a:solidFill>
+                  <a:srgbClr val="008000"/>
+                </a:solidFill>
+                <a:effectLst/>
+                <a:latin typeface="Consolas" panose="020B0609020204030204" pitchFamily="49" charset="0"/>
+                <a:ea typeface="Noto Sans CJK KR Regular" panose="020B0500000000000000" pitchFamily="34" charset="-127"/>
+              </a:rPr>
+              <a:t>// 7</a:t>
+            </a:r>
+            <a:endParaRPr lang="en-US" altLang="ko-KR" b="0">
+              <a:solidFill>
+                <a:srgbClr val="000000"/>
+              </a:solidFill>
+              <a:effectLst/>
+              <a:latin typeface="Consolas" panose="020B0609020204030204" pitchFamily="49" charset="0"/>
+              <a:ea typeface="Noto Sans CJK KR Regular" panose="020B0500000000000000" pitchFamily="34" charset="-127"/>
+            </a:endParaRPr>
+          </a:p>
+        </p:txBody>
+      </p:sp>
+      <p:cxnSp>
+        <p:nvCxnSpPr>
+          <p:cNvPr id="13" name="직선 화살표 연결선 12">
+            <a:extLst>
+              <a:ext uri="{FF2B5EF4-FFF2-40B4-BE49-F238E27FC236}">
+                <a16:creationId xmlns:a16="http://schemas.microsoft.com/office/drawing/2014/main" id="{B22E90BB-FBF1-41C6-A461-897614410B0A}"/>
+              </a:ext>
+            </a:extLst>
+          </p:cNvPr>
+          <p:cNvCxnSpPr>
+            <a:cxnSpLocks/>
+          </p:cNvCxnSpPr>
+          <p:nvPr/>
+        </p:nvCxnSpPr>
+        <p:spPr>
+          <a:xfrm>
+            <a:off x="6661555" y="1934637"/>
+            <a:ext cx="0" cy="875238"/>
+          </a:xfrm>
+          <a:prstGeom prst="straightConnector1">
+            <a:avLst/>
+          </a:prstGeom>
+          <a:ln w="53975">
+            <a:tailEnd type="triangle"/>
+          </a:ln>
+        </p:spPr>
+        <p:style>
+          <a:lnRef idx="1">
+            <a:schemeClr val="accent1"/>
+          </a:lnRef>
+          <a:fillRef idx="0">
+            <a:schemeClr val="accent1"/>
+          </a:fillRef>
+          <a:effectRef idx="0">
+            <a:schemeClr val="accent1"/>
+          </a:effectRef>
+          <a:fontRef idx="minor">
+            <a:schemeClr val="tx1"/>
+          </a:fontRef>
+        </p:style>
+      </p:cxnSp>
+      <p:cxnSp>
+        <p:nvCxnSpPr>
+          <p:cNvPr id="14" name="직선 화살표 연결선 13">
+            <a:extLst>
+              <a:ext uri="{FF2B5EF4-FFF2-40B4-BE49-F238E27FC236}">
+                <a16:creationId xmlns:a16="http://schemas.microsoft.com/office/drawing/2014/main" id="{91D19ECE-FDC0-44BD-A824-B5D4B3619C1C}"/>
+              </a:ext>
+            </a:extLst>
+          </p:cNvPr>
+          <p:cNvCxnSpPr>
+            <a:cxnSpLocks/>
+          </p:cNvCxnSpPr>
+          <p:nvPr/>
+        </p:nvCxnSpPr>
+        <p:spPr>
+          <a:xfrm>
+            <a:off x="6661555" y="2849037"/>
+            <a:ext cx="0" cy="562928"/>
+          </a:xfrm>
+          <a:prstGeom prst="straightConnector1">
+            <a:avLst/>
+          </a:prstGeom>
+          <a:ln w="53975">
+            <a:tailEnd type="triangle"/>
+          </a:ln>
+        </p:spPr>
+        <p:style>
+          <a:lnRef idx="1">
+            <a:schemeClr val="accent1"/>
+          </a:lnRef>
+          <a:fillRef idx="0">
+            <a:schemeClr val="accent1"/>
+          </a:fillRef>
+          <a:effectRef idx="0">
+            <a:schemeClr val="accent1"/>
+          </a:effectRef>
+          <a:fontRef idx="minor">
+            <a:schemeClr val="tx1"/>
+          </a:fontRef>
+        </p:style>
+      </p:cxnSp>
+      <p:cxnSp>
+        <p:nvCxnSpPr>
+          <p:cNvPr id="16" name="직선 화살표 연결선 15">
+            <a:extLst>
+              <a:ext uri="{FF2B5EF4-FFF2-40B4-BE49-F238E27FC236}">
+                <a16:creationId xmlns:a16="http://schemas.microsoft.com/office/drawing/2014/main" id="{D6D43ADD-CD33-46D5-BAC3-42FC427FD228}"/>
+              </a:ext>
+            </a:extLst>
+          </p:cNvPr>
+          <p:cNvCxnSpPr>
+            <a:cxnSpLocks/>
+          </p:cNvCxnSpPr>
+          <p:nvPr/>
+        </p:nvCxnSpPr>
+        <p:spPr>
+          <a:xfrm>
+            <a:off x="6661555" y="3756640"/>
+            <a:ext cx="0" cy="396260"/>
+          </a:xfrm>
+          <a:prstGeom prst="straightConnector1">
+            <a:avLst/>
+          </a:prstGeom>
+          <a:ln w="53975">
+            <a:tailEnd type="triangle"/>
+          </a:ln>
+        </p:spPr>
+        <p:style>
+          <a:lnRef idx="1">
+            <a:schemeClr val="accent1"/>
+          </a:lnRef>
+          <a:fillRef idx="0">
+            <a:schemeClr val="accent1"/>
+          </a:fillRef>
+          <a:effectRef idx="0">
+            <a:schemeClr val="accent1"/>
+          </a:effectRef>
+          <a:fontRef idx="minor">
+            <a:schemeClr val="tx1"/>
+          </a:fontRef>
+        </p:style>
+      </p:cxnSp>
+      <p:cxnSp>
+        <p:nvCxnSpPr>
+          <p:cNvPr id="18" name="직선 화살표 연결선 17">
+            <a:extLst>
+              <a:ext uri="{FF2B5EF4-FFF2-40B4-BE49-F238E27FC236}">
+                <a16:creationId xmlns:a16="http://schemas.microsoft.com/office/drawing/2014/main" id="{5C5B331D-9A08-4783-B9C9-20A521DA5DDA}"/>
+              </a:ext>
+            </a:extLst>
+          </p:cNvPr>
+          <p:cNvCxnSpPr>
+            <a:cxnSpLocks/>
+          </p:cNvCxnSpPr>
+          <p:nvPr/>
+        </p:nvCxnSpPr>
+        <p:spPr>
+          <a:xfrm>
+            <a:off x="6661555" y="4352339"/>
+            <a:ext cx="0" cy="1315036"/>
+          </a:xfrm>
+          <a:prstGeom prst="straightConnector1">
+            <a:avLst/>
+          </a:prstGeom>
+          <a:ln w="53975">
+            <a:tailEnd type="triangle"/>
+          </a:ln>
+        </p:spPr>
+        <p:style>
+          <a:lnRef idx="1">
+            <a:schemeClr val="accent1"/>
+          </a:lnRef>
+          <a:fillRef idx="0">
+            <a:schemeClr val="accent1"/>
+          </a:fillRef>
+          <a:effectRef idx="0">
+            <a:schemeClr val="accent1"/>
+          </a:effectRef>
+          <a:fontRef idx="minor">
+            <a:schemeClr val="tx1"/>
+          </a:fontRef>
+        </p:style>
+      </p:cxnSp>
+      <p:sp>
+        <p:nvSpPr>
+          <p:cNvPr id="22" name="TextBox 21">
+            <a:extLst>
+              <a:ext uri="{FF2B5EF4-FFF2-40B4-BE49-F238E27FC236}">
+                <a16:creationId xmlns:a16="http://schemas.microsoft.com/office/drawing/2014/main" id="{7916C997-78D5-4561-8DBB-09B2928C8955}"/>
+              </a:ext>
+            </a:extLst>
+          </p:cNvPr>
+          <p:cNvSpPr txBox="1"/>
+          <p:nvPr/>
+        </p:nvSpPr>
+        <p:spPr>
+          <a:xfrm>
+            <a:off x="5530446" y="2049090"/>
+            <a:ext cx="1107996" cy="646331"/>
+          </a:xfrm>
+          <a:prstGeom prst="rect">
+            <a:avLst/>
+          </a:prstGeom>
+          <a:noFill/>
+        </p:spPr>
+        <p:txBody>
+          <a:bodyPr wrap="none" rtlCol="0">
+            <a:spAutoFit/>
+          </a:bodyPr>
+          <a:lstStyle/>
+          <a:p>
+            <a:r>
+              <a:rPr lang="ko-KR" altLang="en-US"/>
+              <a:t>호이스팅</a:t>
+            </a:r>
+            <a:endParaRPr lang="en-US" altLang="ko-KR"/>
+          </a:p>
+          <a:p>
+            <a:pPr algn="ctr"/>
+            <a:r>
+              <a:rPr lang="ko-KR" altLang="en-US"/>
+              <a:t>단계</a:t>
+            </a:r>
+          </a:p>
+        </p:txBody>
+      </p:sp>
+      <p:sp>
+        <p:nvSpPr>
+          <p:cNvPr id="23" name="TextBox 22">
+            <a:extLst>
+              <a:ext uri="{FF2B5EF4-FFF2-40B4-BE49-F238E27FC236}">
+                <a16:creationId xmlns:a16="http://schemas.microsoft.com/office/drawing/2014/main" id="{A9939F84-6ABF-4D36-BD88-5FE80816B37A}"/>
+              </a:ext>
+            </a:extLst>
+          </p:cNvPr>
+          <p:cNvSpPr txBox="1"/>
+          <p:nvPr/>
+        </p:nvSpPr>
+        <p:spPr>
+          <a:xfrm>
+            <a:off x="5530446" y="2765634"/>
+            <a:ext cx="1107996" cy="646331"/>
+          </a:xfrm>
+          <a:prstGeom prst="rect">
+            <a:avLst/>
+          </a:prstGeom>
+          <a:noFill/>
+        </p:spPr>
+        <p:txBody>
+          <a:bodyPr wrap="none" rtlCol="0">
+            <a:spAutoFit/>
+          </a:bodyPr>
+          <a:lstStyle/>
+          <a:p>
+            <a:r>
+              <a:rPr lang="ko-KR" altLang="en-US"/>
+              <a:t>코드실행</a:t>
+            </a:r>
+            <a:endParaRPr lang="en-US" altLang="ko-KR"/>
+          </a:p>
+          <a:p>
+            <a:pPr algn="ctr"/>
+            <a:r>
+              <a:rPr lang="ko-KR" altLang="en-US"/>
+              <a:t>단계</a:t>
+            </a:r>
+          </a:p>
+        </p:txBody>
+      </p:sp>
+      <p:sp>
+        <p:nvSpPr>
+          <p:cNvPr id="24" name="TextBox 23">
+            <a:extLst>
+              <a:ext uri="{FF2B5EF4-FFF2-40B4-BE49-F238E27FC236}">
+                <a16:creationId xmlns:a16="http://schemas.microsoft.com/office/drawing/2014/main" id="{62AE7DB2-5ACB-4197-9F05-1CC5B44A78CC}"/>
+              </a:ext>
+            </a:extLst>
+          </p:cNvPr>
+          <p:cNvSpPr txBox="1"/>
+          <p:nvPr/>
+        </p:nvSpPr>
+        <p:spPr>
+          <a:xfrm>
+            <a:off x="5530446" y="3635795"/>
+            <a:ext cx="1107996" cy="646331"/>
+          </a:xfrm>
+          <a:prstGeom prst="rect">
+            <a:avLst/>
+          </a:prstGeom>
+          <a:noFill/>
+        </p:spPr>
+        <p:txBody>
+          <a:bodyPr wrap="none" rtlCol="0">
+            <a:spAutoFit/>
+          </a:bodyPr>
+          <a:lstStyle/>
+          <a:p>
+            <a:r>
+              <a:rPr lang="ko-KR" altLang="en-US"/>
+              <a:t>호이스팅</a:t>
+            </a:r>
+            <a:endParaRPr lang="en-US" altLang="ko-KR"/>
+          </a:p>
+          <a:p>
+            <a:pPr algn="ctr"/>
+            <a:r>
+              <a:rPr lang="ko-KR" altLang="en-US"/>
+              <a:t>단계</a:t>
+            </a:r>
+          </a:p>
+        </p:txBody>
+      </p:sp>
+      <p:sp>
+        <p:nvSpPr>
+          <p:cNvPr id="25" name="TextBox 24">
+            <a:extLst>
+              <a:ext uri="{FF2B5EF4-FFF2-40B4-BE49-F238E27FC236}">
+                <a16:creationId xmlns:a16="http://schemas.microsoft.com/office/drawing/2014/main" id="{914ED73D-36B0-40D3-9418-FA3B121C758A}"/>
+              </a:ext>
+            </a:extLst>
+          </p:cNvPr>
+          <p:cNvSpPr txBox="1"/>
+          <p:nvPr/>
+        </p:nvSpPr>
+        <p:spPr>
+          <a:xfrm>
+            <a:off x="5530446" y="4686691"/>
+            <a:ext cx="1107996" cy="646331"/>
+          </a:xfrm>
+          <a:prstGeom prst="rect">
+            <a:avLst/>
+          </a:prstGeom>
+          <a:noFill/>
+        </p:spPr>
+        <p:txBody>
+          <a:bodyPr wrap="none" rtlCol="0">
+            <a:spAutoFit/>
+          </a:bodyPr>
+          <a:lstStyle/>
+          <a:p>
+            <a:r>
+              <a:rPr lang="ko-KR" altLang="en-US"/>
+              <a:t>코드실행</a:t>
+            </a:r>
+            <a:endParaRPr lang="en-US" altLang="ko-KR"/>
+          </a:p>
+          <a:p>
+            <a:pPr algn="ctr"/>
+            <a:r>
+              <a:rPr lang="ko-KR" altLang="en-US"/>
+              <a:t>단계</a:t>
+            </a:r>
           </a:p>
         </p:txBody>
       </p:sp>

--- a/PPT/02.자바스크립트 - 함수.pptx
+++ b/PPT/02.자바스크립트 - 함수.pptx
@@ -2789,7 +2789,7 @@
   <pc:docChgLst>
     <pc:chgData name="jeongkilyong" userId="42a1e730-e7ec-4950-9a60-48236c77d83b" providerId="ADAL" clId="{1D74A321-71E9-470C-990A-0AF5633ED9A4}"/>
     <pc:docChg chg="undo custSel modSld">
-      <pc:chgData name="jeongkilyong" userId="42a1e730-e7ec-4950-9a60-48236c77d83b" providerId="ADAL" clId="{1D74A321-71E9-470C-990A-0AF5633ED9A4}" dt="2023-10-25T05:58:34.445" v="129" actId="1076"/>
+      <pc:chgData name="jeongkilyong" userId="42a1e730-e7ec-4950-9a60-48236c77d83b" providerId="ADAL" clId="{1D74A321-71E9-470C-990A-0AF5633ED9A4}" dt="2023-10-25T06:00:16.743" v="160" actId="20577"/>
       <pc:docMkLst>
         <pc:docMk/>
       </pc:docMkLst>
@@ -2895,6 +2895,21 @@
             <ac:cxnSpMk id="18" creationId="{5C5B331D-9A08-4783-B9C9-20A521DA5DDA}"/>
           </ac:cxnSpMkLst>
         </pc:cxnChg>
+      </pc:sldChg>
+      <pc:sldChg chg="modSp mod">
+        <pc:chgData name="jeongkilyong" userId="42a1e730-e7ec-4950-9a60-48236c77d83b" providerId="ADAL" clId="{1D74A321-71E9-470C-990A-0AF5633ED9A4}" dt="2023-10-25T06:00:16.743" v="160" actId="20577"/>
+        <pc:sldMkLst>
+          <pc:docMk/>
+          <pc:sldMk cId="4132166881" sldId="310"/>
+        </pc:sldMkLst>
+        <pc:spChg chg="mod">
+          <ac:chgData name="jeongkilyong" userId="42a1e730-e7ec-4950-9a60-48236c77d83b" providerId="ADAL" clId="{1D74A321-71E9-470C-990A-0AF5633ED9A4}" dt="2023-10-25T06:00:16.743" v="160" actId="20577"/>
+          <ac:spMkLst>
+            <pc:docMk/>
+            <pc:sldMk cId="4132166881" sldId="310"/>
+            <ac:spMk id="12" creationId="{10ACD4E5-1FFB-574E-8F99-C84FF7F7144F}"/>
+          </ac:spMkLst>
+        </pc:spChg>
       </pc:sldChg>
     </pc:docChg>
   </pc:docChgLst>
@@ -16978,7 +16993,33 @@
                 <a:latin typeface="Noto Sans CJK KR DemiLight" panose="020B0400000000000000" pitchFamily="34" charset="-128"/>
                 <a:ea typeface="Noto Sans CJK KR DemiLight" panose="020B0400000000000000" pitchFamily="34" charset="-128"/>
               </a:rPr>
-              <a:t>  메모이제이션</a:t>
+              <a:t>  고차 함수 사용 예 </a:t>
+            </a:r>
+            <a:r>
+              <a:rPr kumimoji="1" lang="en-US" altLang="ko-KR" sz="1600" spc="-60">
+                <a:solidFill>
+                  <a:schemeClr val="tx1">
+                    <a:lumMod val="75000"/>
+                    <a:lumOff val="25000"/>
+                  </a:schemeClr>
+                </a:solidFill>
+                <a:latin typeface="Noto Sans CJK KR DemiLight" panose="020B0400000000000000" pitchFamily="34" charset="-128"/>
+                <a:ea typeface="Noto Sans CJK KR DemiLight" panose="020B0400000000000000" pitchFamily="34" charset="-128"/>
+              </a:rPr>
+              <a:t>- </a:t>
+            </a:r>
+            <a:r>
+              <a:rPr kumimoji="1" lang="ko-KR" altLang="en-US" sz="1600" spc="-60">
+                <a:solidFill>
+                  <a:schemeClr val="tx1">
+                    <a:lumMod val="75000"/>
+                    <a:lumOff val="25000"/>
+                  </a:schemeClr>
+                </a:solidFill>
+                <a:latin typeface="Noto Sans CJK KR DemiLight" panose="020B0400000000000000" pitchFamily="34" charset="-128"/>
+                <a:ea typeface="Noto Sans CJK KR DemiLight" panose="020B0400000000000000" pitchFamily="34" charset="-128"/>
+              </a:rPr>
+              <a:t>메모이제이션</a:t>
             </a:r>
             <a:endParaRPr kumimoji="1" lang="ko-KR" altLang="en-US" sz="1600" spc="-60" dirty="0">
               <a:solidFill>

--- a/PPT/02.자바스크립트 - 함수.pptx
+++ b/PPT/02.자바스크립트 - 함수.pptx
@@ -2789,7 +2789,7 @@
   <pc:docChgLst>
     <pc:chgData name="jeongkilyong" userId="42a1e730-e7ec-4950-9a60-48236c77d83b" providerId="ADAL" clId="{1D74A321-71E9-470C-990A-0AF5633ED9A4}"/>
     <pc:docChg chg="undo custSel modSld">
-      <pc:chgData name="jeongkilyong" userId="42a1e730-e7ec-4950-9a60-48236c77d83b" providerId="ADAL" clId="{1D74A321-71E9-470C-990A-0AF5633ED9A4}" dt="2023-10-25T06:00:16.743" v="160" actId="20577"/>
+      <pc:chgData name="jeongkilyong" userId="42a1e730-e7ec-4950-9a60-48236c77d83b" providerId="ADAL" clId="{1D74A321-71E9-470C-990A-0AF5633ED9A4}" dt="2023-10-25T09:16:29.027" v="169" actId="20577"/>
       <pc:docMkLst>
         <pc:docMk/>
       </pc:docMkLst>
@@ -2897,11 +2897,64 @@
         </pc:cxnChg>
       </pc:sldChg>
       <pc:sldChg chg="modSp mod">
-        <pc:chgData name="jeongkilyong" userId="42a1e730-e7ec-4950-9a60-48236c77d83b" providerId="ADAL" clId="{1D74A321-71E9-470C-990A-0AF5633ED9A4}" dt="2023-10-25T06:00:16.743" v="160" actId="20577"/>
+        <pc:chgData name="jeongkilyong" userId="42a1e730-e7ec-4950-9a60-48236c77d83b" providerId="ADAL" clId="{1D74A321-71E9-470C-990A-0AF5633ED9A4}" dt="2023-10-25T06:59:43.913" v="161" actId="403"/>
+        <pc:sldMkLst>
+          <pc:docMk/>
+          <pc:sldMk cId="444694144" sldId="302"/>
+        </pc:sldMkLst>
+        <pc:spChg chg="mod">
+          <ac:chgData name="jeongkilyong" userId="42a1e730-e7ec-4950-9a60-48236c77d83b" providerId="ADAL" clId="{1D74A321-71E9-470C-990A-0AF5633ED9A4}" dt="2023-10-25T06:59:43.913" v="161" actId="403"/>
+          <ac:spMkLst>
+            <pc:docMk/>
+            <pc:sldMk cId="444694144" sldId="302"/>
+            <ac:spMk id="7" creationId="{245F0A32-62B6-4142-B3A3-F35B74FF88E0}"/>
+          </ac:spMkLst>
+        </pc:spChg>
+      </pc:sldChg>
+      <pc:sldChg chg="modSp mod">
+        <pc:chgData name="jeongkilyong" userId="42a1e730-e7ec-4950-9a60-48236c77d83b" providerId="ADAL" clId="{1D74A321-71E9-470C-990A-0AF5633ED9A4}" dt="2023-10-25T08:38:33.948" v="162"/>
+        <pc:sldMkLst>
+          <pc:docMk/>
+          <pc:sldMk cId="2470055609" sldId="308"/>
+        </pc:sldMkLst>
+        <pc:spChg chg="mod">
+          <ac:chgData name="jeongkilyong" userId="42a1e730-e7ec-4950-9a60-48236c77d83b" providerId="ADAL" clId="{1D74A321-71E9-470C-990A-0AF5633ED9A4}" dt="2023-10-25T08:38:33.948" v="162"/>
+          <ac:spMkLst>
+            <pc:docMk/>
+            <pc:sldMk cId="2470055609" sldId="308"/>
+            <ac:spMk id="7" creationId="{CC17DA7C-46B1-40A6-93FF-2167850D5AB5}"/>
+          </ac:spMkLst>
+        </pc:spChg>
+      </pc:sldChg>
+      <pc:sldChg chg="modSp mod">
+        <pc:chgData name="jeongkilyong" userId="42a1e730-e7ec-4950-9a60-48236c77d83b" providerId="ADAL" clId="{1D74A321-71E9-470C-990A-0AF5633ED9A4}" dt="2023-10-25T09:16:05.948" v="165" actId="20577"/>
+        <pc:sldMkLst>
+          <pc:docMk/>
+          <pc:sldMk cId="1038243149" sldId="309"/>
+        </pc:sldMkLst>
+        <pc:spChg chg="mod">
+          <ac:chgData name="jeongkilyong" userId="42a1e730-e7ec-4950-9a60-48236c77d83b" providerId="ADAL" clId="{1D74A321-71E9-470C-990A-0AF5633ED9A4}" dt="2023-10-25T09:16:05.948" v="165" actId="20577"/>
+          <ac:spMkLst>
+            <pc:docMk/>
+            <pc:sldMk cId="1038243149" sldId="309"/>
+            <ac:spMk id="5" creationId="{2D7E28E6-0292-4349-9DEC-B2B8297E07C0}"/>
+          </ac:spMkLst>
+        </pc:spChg>
+      </pc:sldChg>
+      <pc:sldChg chg="modSp mod">
+        <pc:chgData name="jeongkilyong" userId="42a1e730-e7ec-4950-9a60-48236c77d83b" providerId="ADAL" clId="{1D74A321-71E9-470C-990A-0AF5633ED9A4}" dt="2023-10-25T09:16:29.027" v="169" actId="20577"/>
         <pc:sldMkLst>
           <pc:docMk/>
           <pc:sldMk cId="4132166881" sldId="310"/>
         </pc:sldMkLst>
+        <pc:spChg chg="mod">
+          <ac:chgData name="jeongkilyong" userId="42a1e730-e7ec-4950-9a60-48236c77d83b" providerId="ADAL" clId="{1D74A321-71E9-470C-990A-0AF5633ED9A4}" dt="2023-10-25T09:16:29.027" v="169" actId="20577"/>
+          <ac:spMkLst>
+            <pc:docMk/>
+            <pc:sldMk cId="4132166881" sldId="310"/>
+            <ac:spMk id="5" creationId="{57FAD6C1-1407-4B3C-B82F-C4E087D23170}"/>
+          </ac:spMkLst>
+        </pc:spChg>
         <pc:spChg chg="mod">
           <ac:chgData name="jeongkilyong" userId="42a1e730-e7ec-4950-9a60-48236c77d83b" providerId="ADAL" clId="{1D74A321-71E9-470C-990A-0AF5633ED9A4}" dt="2023-10-25T06:00:16.743" v="160" actId="20577"/>
           <ac:spMkLst>
@@ -10935,7 +10988,7 @@
         <p:spPr>
           <a:xfrm>
             <a:off x="6541006" y="764704"/>
-            <a:ext cx="4521099" cy="338554"/>
+            <a:ext cx="4521099" cy="369332"/>
           </a:xfrm>
           <a:prstGeom prst="rect">
             <a:avLst/>
@@ -10950,7 +11003,7 @@
           <a:p>
             <a:pPr algn="r"/>
             <a:r>
-              <a:rPr lang="en-US" altLang="ko-KR" sz="1600">
+              <a:rPr lang="en-US" altLang="ko-KR">
                 <a:solidFill>
                   <a:schemeClr val="tx1">
                     <a:lumMod val="65000"/>
@@ -10962,7 +11015,7 @@
               </a:rPr>
               <a:t>ex02-14.js, 05, 15, 15-01, 15-02, 15-03</a:t>
             </a:r>
-            <a:endParaRPr lang="ko-KR" altLang="en-US" sz="1600" dirty="0">
+            <a:endParaRPr lang="ko-KR" altLang="en-US" dirty="0">
               <a:solidFill>
                 <a:schemeClr val="tx1">
                   <a:lumMod val="65000"/>
@@ -15932,18 +15985,36 @@
                 </a:solidFill>
                 <a:effectLst/>
                 <a:latin typeface="Consolas" panose="020B0609020204030204" pitchFamily="49" charset="0"/>
-                <a:ea typeface="Noto Sans CJK KR Regular" panose="020B0500000000000000" pitchFamily="34" charset="-127"/>
               </a:rPr>
               <a:t>btn.addEventListener(</a:t>
             </a:r>
             <a:r>
               <a:rPr lang="en-US" altLang="ko-KR" b="0">
                 <a:solidFill>
+                  <a:srgbClr val="A31515"/>
+                </a:solidFill>
+                <a:effectLst/>
+                <a:latin typeface="Consolas" panose="020B0609020204030204" pitchFamily="49" charset="0"/>
+              </a:rPr>
+              <a:t>'click'</a:t>
+            </a:r>
+            <a:r>
+              <a:rPr lang="en-US" altLang="ko-KR" b="0">
+                <a:solidFill>
+                  <a:srgbClr val="000000"/>
+                </a:solidFill>
+                <a:effectLst/>
+                <a:latin typeface="Consolas" panose="020B0609020204030204" pitchFamily="49" charset="0"/>
+              </a:rPr>
+              <a:t>, </a:t>
+            </a:r>
+            <a:r>
+              <a:rPr lang="en-US" altLang="ko-KR" b="0">
+                <a:solidFill>
                   <a:srgbClr val="0000FF"/>
                 </a:solidFill>
                 <a:effectLst/>
                 <a:latin typeface="Consolas" panose="020B0609020204030204" pitchFamily="49" charset="0"/>
-                <a:ea typeface="Noto Sans CJK KR Regular" panose="020B0500000000000000" pitchFamily="34" charset="-127"/>
               </a:rPr>
               <a:t>function</a:t>
             </a:r>
@@ -15954,7 +16025,6 @@
                 </a:solidFill>
                 <a:effectLst/>
                 <a:latin typeface="Consolas" panose="020B0609020204030204" pitchFamily="49" charset="0"/>
-                <a:ea typeface="Noto Sans CJK KR Regular" panose="020B0500000000000000" pitchFamily="34" charset="-127"/>
               </a:rPr>
               <a:t>(){</a:t>
             </a:r>
@@ -15967,7 +16037,6 @@
                 </a:solidFill>
                 <a:effectLst/>
                 <a:latin typeface="Consolas" panose="020B0609020204030204" pitchFamily="49" charset="0"/>
-                <a:ea typeface="Noto Sans CJK KR Regular" panose="020B0500000000000000" pitchFamily="34" charset="-127"/>
               </a:rPr>
               <a:t>  console.log(</a:t>
             </a:r>
@@ -15978,7 +16047,6 @@
                 </a:solidFill>
                 <a:effectLst/>
                 <a:latin typeface="Consolas" panose="020B0609020204030204" pitchFamily="49" charset="0"/>
-                <a:ea typeface="Noto Sans CJK KR Regular" panose="020B0500000000000000" pitchFamily="34" charset="-127"/>
               </a:rPr>
               <a:t>'</a:t>
             </a:r>
@@ -15989,7 +16057,6 @@
                 </a:solidFill>
                 <a:effectLst/>
                 <a:latin typeface="Consolas" panose="020B0609020204030204" pitchFamily="49" charset="0"/>
-                <a:ea typeface="Noto Sans CJK KR Regular" panose="020B0500000000000000" pitchFamily="34" charset="-127"/>
               </a:rPr>
               <a:t>버튼 클릭</a:t>
             </a:r>
@@ -16000,7 +16067,6 @@
                 </a:solidFill>
                 <a:effectLst/>
                 <a:latin typeface="Consolas" panose="020B0609020204030204" pitchFamily="49" charset="0"/>
-                <a:ea typeface="Noto Sans CJK KR Regular" panose="020B0500000000000000" pitchFamily="34" charset="-127"/>
               </a:rPr>
               <a:t>'</a:t>
             </a:r>
@@ -16011,7 +16077,6 @@
                 </a:solidFill>
                 <a:effectLst/>
                 <a:latin typeface="Consolas" panose="020B0609020204030204" pitchFamily="49" charset="0"/>
-                <a:ea typeface="Noto Sans CJK KR Regular" panose="020B0500000000000000" pitchFamily="34" charset="-127"/>
               </a:rPr>
               <a:t>);</a:t>
             </a:r>
@@ -16024,7 +16089,6 @@
                 </a:solidFill>
                 <a:effectLst/>
                 <a:latin typeface="Consolas" panose="020B0609020204030204" pitchFamily="49" charset="0"/>
-                <a:ea typeface="Noto Sans CJK KR Regular" panose="020B0500000000000000" pitchFamily="34" charset="-127"/>
               </a:rPr>
               <a:t>});</a:t>
             </a:r>
@@ -16464,7 +16528,7 @@
         <p:spPr bwMode="auto">
           <a:xfrm>
             <a:off x="395288" y="836613"/>
-            <a:ext cx="8353425" cy="4647426"/>
+            <a:ext cx="9120187" cy="4370427"/>
           </a:xfrm>
           <a:prstGeom prst="rect">
             <a:avLst/>
@@ -16478,7 +16542,7 @@
           </a:ln>
         </p:spPr>
         <p:txBody>
-          <a:bodyPr>
+          <a:bodyPr wrap="square">
             <a:spAutoFit/>
           </a:bodyPr>
           <a:lstStyle/>
@@ -17138,7 +17202,7 @@
                 <a:latin typeface="Noto Sans CJK KR Regular" panose="020B0500000000000000" pitchFamily="34" charset="-127"/>
                 <a:ea typeface="Noto Sans CJK KR Regular" panose="020B0500000000000000" pitchFamily="34" charset="-127"/>
               </a:rPr>
-              <a:t> memoization</a:t>
+              <a:t> Memoization</a:t>
             </a:r>
             <a:endParaRPr lang="en-US" altLang="ko-KR" sz="2000" dirty="0">
               <a:latin typeface="Noto Sans CJK KR Regular" panose="020B0500000000000000" pitchFamily="34" charset="-127"/>

--- a/PPT/02.자바스크립트 - 함수.pptx
+++ b/PPT/02.자바스크립트 - 함수.pptx
@@ -2789,7 +2789,7 @@
   <pc:docChgLst>
     <pc:chgData name="jeongkilyong" userId="42a1e730-e7ec-4950-9a60-48236c77d83b" providerId="ADAL" clId="{1D74A321-71E9-470C-990A-0AF5633ED9A4}"/>
     <pc:docChg chg="undo custSel modSld">
-      <pc:chgData name="jeongkilyong" userId="42a1e730-e7ec-4950-9a60-48236c77d83b" providerId="ADAL" clId="{1D74A321-71E9-470C-990A-0AF5633ED9A4}" dt="2023-10-25T09:16:29.027" v="169" actId="20577"/>
+      <pc:chgData name="jeongkilyong" userId="42a1e730-e7ec-4950-9a60-48236c77d83b" providerId="ADAL" clId="{1D74A321-71E9-470C-990A-0AF5633ED9A4}" dt="2023-10-26T01:16:32.005" v="172" actId="20577"/>
       <pc:docMkLst>
         <pc:docMk/>
       </pc:docMkLst>
@@ -2927,7 +2927,7 @@
         </pc:spChg>
       </pc:sldChg>
       <pc:sldChg chg="modSp mod">
-        <pc:chgData name="jeongkilyong" userId="42a1e730-e7ec-4950-9a60-48236c77d83b" providerId="ADAL" clId="{1D74A321-71E9-470C-990A-0AF5633ED9A4}" dt="2023-10-25T09:16:05.948" v="165" actId="20577"/>
+        <pc:chgData name="jeongkilyong" userId="42a1e730-e7ec-4950-9a60-48236c77d83b" providerId="ADAL" clId="{1D74A321-71E9-470C-990A-0AF5633ED9A4}" dt="2023-10-26T01:16:32.005" v="172" actId="20577"/>
         <pc:sldMkLst>
           <pc:docMk/>
           <pc:sldMk cId="1038243149" sldId="309"/>
@@ -2938,6 +2938,14 @@
             <pc:docMk/>
             <pc:sldMk cId="1038243149" sldId="309"/>
             <ac:spMk id="5" creationId="{2D7E28E6-0292-4349-9DEC-B2B8297E07C0}"/>
+          </ac:spMkLst>
+        </pc:spChg>
+        <pc:spChg chg="mod">
+          <ac:chgData name="jeongkilyong" userId="42a1e730-e7ec-4950-9a60-48236c77d83b" providerId="ADAL" clId="{1D74A321-71E9-470C-990A-0AF5633ED9A4}" dt="2023-10-26T01:16:32.005" v="172" actId="20577"/>
+          <ac:spMkLst>
+            <pc:docMk/>
+            <pc:sldMk cId="1038243149" sldId="309"/>
+            <ac:spMk id="7" creationId="{2382519C-D4EA-4B1C-BBE6-96FAA5EC438A}"/>
           </ac:spMkLst>
         </pc:spChg>
       </pc:sldChg>
@@ -3052,7 +3060,7 @@
             <a:fld id="{C5EB0431-1611-1744-95F0-8172773087C5}" type="datetimeFigureOut">
               <a:rPr lang="en-US" altLang="ko-Kore-KR" smtClean="0"/>
               <a:pPr/>
-              <a:t>10/25/2023</a:t>
+              <a:t>10/26/2023</a:t>
             </a:fld>
             <a:endParaRPr lang="ko-Kore-KR"/>
           </a:p>
@@ -3468,7 +3476,7 @@
           <a:p>
             <a:fld id="{5FD0AF26-B2D6-41C9-847A-12B3D1677265}" type="datetime1">
               <a:rPr kumimoji="1" lang="ko-KR" altLang="en-US" smtClean="0"/>
-              <a:t>2023-10-25</a:t>
+              <a:t>2023-10-26</a:t>
             </a:fld>
             <a:endParaRPr kumimoji="1" lang="ko-KR" altLang="en-US"/>
           </a:p>
@@ -3666,7 +3674,7 @@
           <a:p>
             <a:fld id="{11A845FB-4EAB-4F93-BE87-891FAC391B0C}" type="datetime1">
               <a:rPr kumimoji="1" lang="ko-KR" altLang="en-US" smtClean="0"/>
-              <a:t>2023-10-25</a:t>
+              <a:t>2023-10-26</a:t>
             </a:fld>
             <a:endParaRPr kumimoji="1" lang="ko-KR" altLang="en-US"/>
           </a:p>
@@ -3874,7 +3882,7 @@
           <a:p>
             <a:fld id="{6597FBCF-59BC-423C-A27E-A4E0342EEDF5}" type="datetime1">
               <a:rPr kumimoji="1" lang="ko-KR" altLang="en-US" smtClean="0"/>
-              <a:t>2023-10-25</a:t>
+              <a:t>2023-10-26</a:t>
             </a:fld>
             <a:endParaRPr kumimoji="1" lang="ko-KR" altLang="en-US"/>
           </a:p>
@@ -4072,7 +4080,7 @@
           <a:p>
             <a:fld id="{59DE6E8A-4C0D-4CC6-BBD6-2F945A6B3540}" type="datetime1">
               <a:rPr kumimoji="1" lang="ko-KR" altLang="en-US" smtClean="0"/>
-              <a:t>2023-10-25</a:t>
+              <a:t>2023-10-26</a:t>
             </a:fld>
             <a:endParaRPr kumimoji="1" lang="ko-KR" altLang="en-US"/>
           </a:p>
@@ -4347,7 +4355,7 @@
           <a:p>
             <a:fld id="{BEBFBD75-CCBA-4C22-86CA-859D220600AA}" type="datetime1">
               <a:rPr kumimoji="1" lang="ko-KR" altLang="en-US" smtClean="0"/>
-              <a:t>2023-10-25</a:t>
+              <a:t>2023-10-26</a:t>
             </a:fld>
             <a:endParaRPr kumimoji="1" lang="ko-KR" altLang="en-US"/>
           </a:p>
@@ -4612,7 +4620,7 @@
           <a:p>
             <a:fld id="{DB031150-5CB0-41C0-9104-5695DD253F49}" type="datetime1">
               <a:rPr kumimoji="1" lang="ko-KR" altLang="en-US" smtClean="0"/>
-              <a:t>2023-10-25</a:t>
+              <a:t>2023-10-26</a:t>
             </a:fld>
             <a:endParaRPr kumimoji="1" lang="ko-KR" altLang="en-US"/>
           </a:p>
@@ -5024,7 +5032,7 @@
           <a:p>
             <a:fld id="{0B78CFAD-1435-498E-ACFE-38131B135631}" type="datetime1">
               <a:rPr kumimoji="1" lang="ko-KR" altLang="en-US" smtClean="0"/>
-              <a:t>2023-10-25</a:t>
+              <a:t>2023-10-26</a:t>
             </a:fld>
             <a:endParaRPr kumimoji="1" lang="ko-KR" altLang="en-US"/>
           </a:p>
@@ -5165,7 +5173,7 @@
           <a:p>
             <a:fld id="{BF2AA6DB-F13D-4C47-BC2B-E1D25CB476ED}" type="datetime1">
               <a:rPr kumimoji="1" lang="ko-KR" altLang="en-US" smtClean="0"/>
-              <a:t>2023-10-25</a:t>
+              <a:t>2023-10-26</a:t>
             </a:fld>
             <a:endParaRPr kumimoji="1" lang="ko-KR" altLang="en-US"/>
           </a:p>
@@ -5278,7 +5286,7 @@
           <a:p>
             <a:fld id="{14FBB438-2880-4761-94BA-7F7996C8C3BD}" type="datetime1">
               <a:rPr kumimoji="1" lang="ko-KR" altLang="en-US" smtClean="0"/>
-              <a:t>2023-10-25</a:t>
+              <a:t>2023-10-26</a:t>
             </a:fld>
             <a:endParaRPr kumimoji="1" lang="ko-KR" altLang="en-US"/>
           </a:p>
@@ -5589,7 +5597,7 @@
           <a:p>
             <a:fld id="{C4D9C33D-E09A-4F6E-A7FA-CF959C3E6DEE}" type="datetime1">
               <a:rPr kumimoji="1" lang="ko-KR" altLang="en-US" smtClean="0"/>
-              <a:t>2023-10-25</a:t>
+              <a:t>2023-10-26</a:t>
             </a:fld>
             <a:endParaRPr kumimoji="1" lang="ko-KR" altLang="en-US"/>
           </a:p>
@@ -5877,7 +5885,7 @@
           <a:p>
             <a:fld id="{DB10E3DE-CCA8-4CB9-BDA2-4741B0CD6641}" type="datetime1">
               <a:rPr kumimoji="1" lang="ko-KR" altLang="en-US" smtClean="0"/>
-              <a:t>2023-10-25</a:t>
+              <a:t>2023-10-26</a:t>
             </a:fld>
             <a:endParaRPr kumimoji="1" lang="ko-KR" altLang="en-US"/>
           </a:p>
@@ -6120,7 +6128,7 @@
           <a:p>
             <a:fld id="{827CA893-2A65-4E72-A022-7CB16F3818A4}" type="datetime1">
               <a:rPr kumimoji="1" lang="ko-KR" altLang="en-US" smtClean="0"/>
-              <a:t>2023-10-25</a:t>
+              <a:t>2023-10-26</a:t>
             </a:fld>
             <a:endParaRPr kumimoji="1" lang="ko-KR" altLang="en-US"/>
           </a:p>
@@ -16950,7 +16958,7 @@
                 <a:latin typeface="Noto Sans CJK KR Regular" panose="020B0500000000000000" pitchFamily="34" charset="-127"/>
                 <a:ea typeface="Noto Sans CJK KR Regular" panose="020B0500000000000000" pitchFamily="34" charset="-127"/>
               </a:rPr>
-              <a:t>ex02-20.js</a:t>
+              <a:t>ex02-20-01.js</a:t>
             </a:r>
             <a:endParaRPr lang="ko-KR" altLang="en-US" dirty="0">
               <a:solidFill>

--- a/PPT/02.자바스크립트 - 함수.pptx
+++ b/PPT/02.자바스크립트 - 함수.pptx
@@ -2789,7 +2789,7 @@
   <pc:docChgLst>
     <pc:chgData name="jeongkilyong" userId="42a1e730-e7ec-4950-9a60-48236c77d83b" providerId="ADAL" clId="{1D74A321-71E9-470C-990A-0AF5633ED9A4}"/>
     <pc:docChg chg="undo custSel modSld">
-      <pc:chgData name="jeongkilyong" userId="42a1e730-e7ec-4950-9a60-48236c77d83b" providerId="ADAL" clId="{1D74A321-71E9-470C-990A-0AF5633ED9A4}" dt="2023-10-26T01:16:32.005" v="172" actId="20577"/>
+      <pc:chgData name="jeongkilyong" userId="42a1e730-e7ec-4950-9a60-48236c77d83b" providerId="ADAL" clId="{1D74A321-71E9-470C-990A-0AF5633ED9A4}" dt="2023-10-26T01:52:35.075" v="174" actId="207"/>
       <pc:docMkLst>
         <pc:docMk/>
       </pc:docMkLst>
@@ -2897,11 +2897,19 @@
         </pc:cxnChg>
       </pc:sldChg>
       <pc:sldChg chg="modSp mod">
-        <pc:chgData name="jeongkilyong" userId="42a1e730-e7ec-4950-9a60-48236c77d83b" providerId="ADAL" clId="{1D74A321-71E9-470C-990A-0AF5633ED9A4}" dt="2023-10-25T06:59:43.913" v="161" actId="403"/>
+        <pc:chgData name="jeongkilyong" userId="42a1e730-e7ec-4950-9a60-48236c77d83b" providerId="ADAL" clId="{1D74A321-71E9-470C-990A-0AF5633ED9A4}" dt="2023-10-26T01:52:35.075" v="174" actId="207"/>
         <pc:sldMkLst>
           <pc:docMk/>
           <pc:sldMk cId="444694144" sldId="302"/>
         </pc:sldMkLst>
+        <pc:spChg chg="mod">
+          <ac:chgData name="jeongkilyong" userId="42a1e730-e7ec-4950-9a60-48236c77d83b" providerId="ADAL" clId="{1D74A321-71E9-470C-990A-0AF5633ED9A4}" dt="2023-10-26T01:52:35.075" v="174" actId="207"/>
+          <ac:spMkLst>
+            <pc:docMk/>
+            <pc:sldMk cId="444694144" sldId="302"/>
+            <ac:spMk id="5" creationId="{F0AEF5F7-CC05-4C6B-BD9E-E28F937E23CB}"/>
+          </ac:spMkLst>
+        </pc:spChg>
         <pc:spChg chg="mod">
           <ac:chgData name="jeongkilyong" userId="42a1e730-e7ec-4950-9a60-48236c77d83b" providerId="ADAL" clId="{1D74A321-71E9-470C-990A-0AF5633ED9A4}" dt="2023-10-25T06:59:43.913" v="161" actId="403"/>
           <ac:spMkLst>
@@ -10673,7 +10681,24 @@
                 <a:latin typeface="Noto Sans CJK KR Regular" panose="020B0500000000000000" pitchFamily="34" charset="-127"/>
                 <a:ea typeface="Noto Sans CJK KR Regular" panose="020B0500000000000000" pitchFamily="34" charset="-127"/>
               </a:rPr>
-              <a:t> apply(p1, p2) </a:t>
+              <a:t> apply(</a:t>
+            </a:r>
+            <a:r>
+              <a:rPr lang="en-US" altLang="ko-KR" sz="2000" dirty="0">
+                <a:solidFill>
+                  <a:srgbClr val="FF9E1B"/>
+                </a:solidFill>
+                <a:latin typeface="Noto Sans CJK KR Regular" panose="020B0500000000000000" pitchFamily="34" charset="-127"/>
+                <a:ea typeface="Noto Sans CJK KR Regular" panose="020B0500000000000000" pitchFamily="34" charset="-127"/>
+              </a:rPr>
+              <a:t>p1</a:t>
+            </a:r>
+            <a:r>
+              <a:rPr lang="en-US" altLang="ko-KR" sz="2000" dirty="0">
+                <a:latin typeface="Noto Sans CJK KR Regular" panose="020B0500000000000000" pitchFamily="34" charset="-127"/>
+                <a:ea typeface="Noto Sans CJK KR Regular" panose="020B0500000000000000" pitchFamily="34" charset="-127"/>
+              </a:rPr>
+              <a:t>, p2) </a:t>
             </a:r>
             <a:r>
               <a:rPr lang="ko-KR" altLang="en-US" sz="2000" dirty="0" err="1">
@@ -10821,7 +10846,24 @@
                 <a:latin typeface="Noto Sans CJK KR Regular" panose="020B0500000000000000" pitchFamily="34" charset="-127"/>
                 <a:ea typeface="Noto Sans CJK KR Regular" panose="020B0500000000000000" pitchFamily="34" charset="-127"/>
               </a:rPr>
-              <a:t> call(p1, p2, p3, …) </a:t>
+              <a:t> call(</a:t>
+            </a:r>
+            <a:r>
+              <a:rPr lang="en-US" altLang="ko-KR" sz="2000" dirty="0">
+                <a:solidFill>
+                  <a:srgbClr val="FF9E1B"/>
+                </a:solidFill>
+                <a:latin typeface="Noto Sans CJK KR Regular" panose="020B0500000000000000" pitchFamily="34" charset="-127"/>
+                <a:ea typeface="Noto Sans CJK KR Regular" panose="020B0500000000000000" pitchFamily="34" charset="-127"/>
+              </a:rPr>
+              <a:t>p1</a:t>
+            </a:r>
+            <a:r>
+              <a:rPr lang="en-US" altLang="ko-KR" sz="2000" dirty="0">
+                <a:latin typeface="Noto Sans CJK KR Regular" panose="020B0500000000000000" pitchFamily="34" charset="-127"/>
+                <a:ea typeface="Noto Sans CJK KR Regular" panose="020B0500000000000000" pitchFamily="34" charset="-127"/>
+              </a:rPr>
+              <a:t>, p2, p3, …) </a:t>
             </a:r>
             <a:r>
               <a:rPr lang="ko-KR" altLang="en-US" sz="2000" dirty="0" err="1">
